--- a/1 Requirements/Final Presentation.pptx
+++ b/1 Requirements/Final Presentation.pptx
@@ -5,26 +5,27 @@
     <p:sldMasterId id="2147483669" r:id="rId4"/>
   </p:sldMasterIdLst>
   <p:notesMasterIdLst>
-    <p:notesMasterId r:id="rId19"/>
+    <p:notesMasterId r:id="rId20"/>
   </p:notesMasterIdLst>
   <p:handoutMasterIdLst>
-    <p:handoutMasterId r:id="rId20"/>
+    <p:handoutMasterId r:id="rId21"/>
   </p:handoutMasterIdLst>
   <p:sldIdLst>
     <p:sldId id="259" r:id="rId5"/>
     <p:sldId id="263" r:id="rId6"/>
     <p:sldId id="273" r:id="rId7"/>
     <p:sldId id="274" r:id="rId8"/>
-    <p:sldId id="276" r:id="rId9"/>
-    <p:sldId id="277" r:id="rId10"/>
-    <p:sldId id="281" r:id="rId11"/>
-    <p:sldId id="285" r:id="rId12"/>
-    <p:sldId id="278" r:id="rId13"/>
-    <p:sldId id="279" r:id="rId14"/>
-    <p:sldId id="284" r:id="rId15"/>
-    <p:sldId id="282" r:id="rId16"/>
-    <p:sldId id="283" r:id="rId17"/>
-    <p:sldId id="272" r:id="rId18"/>
+    <p:sldId id="286" r:id="rId9"/>
+    <p:sldId id="276" r:id="rId10"/>
+    <p:sldId id="277" r:id="rId11"/>
+    <p:sldId id="281" r:id="rId12"/>
+    <p:sldId id="285" r:id="rId13"/>
+    <p:sldId id="278" r:id="rId14"/>
+    <p:sldId id="279" r:id="rId15"/>
+    <p:sldId id="284" r:id="rId16"/>
+    <p:sldId id="282" r:id="rId17"/>
+    <p:sldId id="283" r:id="rId18"/>
+    <p:sldId id="272" r:id="rId19"/>
   </p:sldIdLst>
   <p:sldSz cx="9144000" cy="6858000" type="screen4x3"/>
   <p:notesSz cx="6797675" cy="9872663"/>
@@ -6932,6 +6933,80 @@
           <a:chExt cx="0" cy="0"/>
         </a:xfrm>
       </p:grpSpPr>
+      <p:sp>
+        <p:nvSpPr>
+          <p:cNvPr id="2" name="Inhaltsplatzhalter 1"/>
+          <p:cNvSpPr>
+            <a:spLocks noGrp="1"/>
+          </p:cNvSpPr>
+          <p:nvPr>
+            <p:ph sz="half" idx="1"/>
+          </p:nvPr>
+        </p:nvSpPr>
+        <p:spPr/>
+        <p:txBody>
+          <a:bodyPr/>
+          <a:lstStyle/>
+          <a:p>
+            <a:r>
+              <a:rPr lang="de-CH" dirty="0"/>
+              <a:t>Klassendiagramm</a:t>
+            </a:r>
+          </a:p>
+        </p:txBody>
+      </p:sp>
+      <p:sp>
+        <p:nvSpPr>
+          <p:cNvPr id="3" name="Titel 2"/>
+          <p:cNvSpPr>
+            <a:spLocks noGrp="1"/>
+          </p:cNvSpPr>
+          <p:nvPr>
+            <p:ph type="ctrTitle"/>
+          </p:nvPr>
+        </p:nvSpPr>
+        <p:spPr/>
+        <p:txBody>
+          <a:bodyPr/>
+          <a:lstStyle/>
+          <a:p>
+            <a:r>
+              <a:rPr lang="de-CH" dirty="0"/>
+              <a:t>Lösung: Architektur</a:t>
+            </a:r>
+          </a:p>
+        </p:txBody>
+      </p:sp>
+    </p:spTree>
+    <p:extLst>
+      <p:ext uri="{BB962C8B-B14F-4D97-AF65-F5344CB8AC3E}">
+        <p14:creationId xmlns:p14="http://schemas.microsoft.com/office/powerpoint/2010/main" val="988370591"/>
+      </p:ext>
+    </p:extLst>
+  </p:cSld>
+  <p:clrMapOvr>
+    <a:masterClrMapping/>
+  </p:clrMapOvr>
+</p:sld>
+</file>
+
+<file path=ppt/slides/slide11.xml><?xml version="1.0" encoding="utf-8"?>
+<p:sld xmlns:a="http://schemas.openxmlformats.org/drawingml/2006/main" xmlns:r="http://schemas.openxmlformats.org/officeDocument/2006/relationships" xmlns:p="http://schemas.openxmlformats.org/presentationml/2006/main">
+  <p:cSld>
+    <p:spTree>
+      <p:nvGrpSpPr>
+        <p:cNvPr id="1" name=""/>
+        <p:cNvGrpSpPr/>
+        <p:nvPr/>
+      </p:nvGrpSpPr>
+      <p:grpSpPr>
+        <a:xfrm>
+          <a:off x="0" y="0"/>
+          <a:ext cx="0" cy="0"/>
+          <a:chOff x="0" y="0"/>
+          <a:chExt cx="0" cy="0"/>
+        </a:xfrm>
+      </p:grpSpPr>
       <p:pic>
         <p:nvPicPr>
           <p:cNvPr id="5" name="Inhaltsplatzhalter 4" descr="Ein Bild, das Karte enthält.&#10;&#10;Automatisch generierte Beschreibung">
@@ -6996,7 +7071,7 @@
 </p:sld>
 </file>
 
-<file path=ppt/slides/slide11.xml><?xml version="1.0" encoding="utf-8"?>
+<file path=ppt/slides/slide12.xml><?xml version="1.0" encoding="utf-8"?>
 <p:sld xmlns:a="http://schemas.openxmlformats.org/drawingml/2006/main" xmlns:r="http://schemas.openxmlformats.org/officeDocument/2006/relationships" xmlns:p="http://schemas.openxmlformats.org/presentationml/2006/main">
   <p:cSld>
     <p:spTree>
@@ -7913,118 +7988,6 @@
 </p:sld>
 </file>
 
-<file path=ppt/slides/slide12.xml><?xml version="1.0" encoding="utf-8"?>
-<p:sld xmlns:a="http://schemas.openxmlformats.org/drawingml/2006/main" xmlns:r="http://schemas.openxmlformats.org/officeDocument/2006/relationships" xmlns:p="http://schemas.openxmlformats.org/presentationml/2006/main">
-  <p:cSld>
-    <p:spTree>
-      <p:nvGrpSpPr>
-        <p:cNvPr id="1" name=""/>
-        <p:cNvGrpSpPr/>
-        <p:nvPr/>
-      </p:nvGrpSpPr>
-      <p:grpSpPr>
-        <a:xfrm>
-          <a:off x="0" y="0"/>
-          <a:ext cx="0" cy="0"/>
-          <a:chOff x="0" y="0"/>
-          <a:chExt cx="0" cy="0"/>
-        </a:xfrm>
-      </p:grpSpPr>
-      <p:sp>
-        <p:nvSpPr>
-          <p:cNvPr id="2" name="Inhaltsplatzhalter 1"/>
-          <p:cNvSpPr>
-            <a:spLocks noGrp="1"/>
-          </p:cNvSpPr>
-          <p:nvPr>
-            <p:ph sz="half" idx="1"/>
-          </p:nvPr>
-        </p:nvSpPr>
-        <p:spPr/>
-        <p:txBody>
-          <a:bodyPr/>
-          <a:lstStyle/>
-          <a:p>
-            <a:r>
-              <a:rPr lang="de-CH" dirty="0" err="1"/>
-              <a:t>Tkinter</a:t>
-            </a:r>
-            <a:endParaRPr lang="de-CH" dirty="0"/>
-          </a:p>
-          <a:p>
-            <a:r>
-              <a:rPr lang="de-CH" dirty="0"/>
-              <a:t>GUI an sich </a:t>
-            </a:r>
-            <a:r>
-              <a:rPr lang="de-CH" dirty="0">
-                <a:sym typeface="Wingdings" panose="05000000000000000000" pitchFamily="2" charset="2"/>
-              </a:rPr>
-              <a:t> bereits mit einer </a:t>
-            </a:r>
-            <a:r>
-              <a:rPr lang="de-CH" dirty="0" err="1">
-                <a:sym typeface="Wingdings" panose="05000000000000000000" pitchFamily="2" charset="2"/>
-              </a:rPr>
-              <a:t>Commandline</a:t>
-            </a:r>
-            <a:r>
-              <a:rPr lang="de-CH" dirty="0">
-                <a:sym typeface="Wingdings" panose="05000000000000000000" pitchFamily="2" charset="2"/>
-              </a:rPr>
-              <a:t>-App oder einer Library wäre dem Zielpublikum bereits geholfen</a:t>
-            </a:r>
-          </a:p>
-          <a:p>
-            <a:r>
-              <a:rPr lang="de-CH" dirty="0">
-                <a:sym typeface="Wingdings" panose="05000000000000000000" pitchFamily="2" charset="2"/>
-              </a:rPr>
-              <a:t>Datenstrukturen: keine Zeit für Konstruktion generischer Datentypen</a:t>
-            </a:r>
-            <a:endParaRPr lang="de-CH" dirty="0"/>
-          </a:p>
-        </p:txBody>
-      </p:sp>
-      <p:sp>
-        <p:nvSpPr>
-          <p:cNvPr id="3" name="Titel 2"/>
-          <p:cNvSpPr>
-            <a:spLocks noGrp="1"/>
-          </p:cNvSpPr>
-          <p:nvPr>
-            <p:ph type="ctrTitle"/>
-          </p:nvPr>
-        </p:nvSpPr>
-        <p:spPr/>
-        <p:txBody>
-          <a:bodyPr/>
-          <a:lstStyle/>
-          <a:p>
-            <a:r>
-              <a:rPr lang="de-CH" dirty="0" err="1"/>
-              <a:t>Learnings</a:t>
-            </a:r>
-            <a:r>
-              <a:rPr lang="de-CH" dirty="0"/>
-              <a:t>: Negatives</a:t>
-            </a:r>
-          </a:p>
-        </p:txBody>
-      </p:sp>
-    </p:spTree>
-    <p:extLst>
-      <p:ext uri="{BB962C8B-B14F-4D97-AF65-F5344CB8AC3E}">
-        <p14:creationId xmlns:p14="http://schemas.microsoft.com/office/powerpoint/2010/main" val="130570620"/>
-      </p:ext>
-    </p:extLst>
-  </p:cSld>
-  <p:clrMapOvr>
-    <a:masterClrMapping/>
-  </p:clrMapOvr>
-</p:sld>
-</file>
-
 <file path=ppt/slides/slide13.xml><?xml version="1.0" encoding="utf-8"?>
 <p:sld xmlns:a="http://schemas.openxmlformats.org/drawingml/2006/main" xmlns:r="http://schemas.openxmlformats.org/officeDocument/2006/relationships" xmlns:p="http://schemas.openxmlformats.org/presentationml/2006/main">
   <p:cSld>
@@ -8057,6 +8020,118 @@
           <a:bodyPr/>
           <a:lstStyle/>
           <a:p>
+            <a:r>
+              <a:rPr lang="de-CH" dirty="0" err="1"/>
+              <a:t>Tkinter</a:t>
+            </a:r>
+            <a:endParaRPr lang="de-CH" dirty="0"/>
+          </a:p>
+          <a:p>
+            <a:r>
+              <a:rPr lang="de-CH" dirty="0"/>
+              <a:t>GUI an sich </a:t>
+            </a:r>
+            <a:r>
+              <a:rPr lang="de-CH" dirty="0">
+                <a:sym typeface="Wingdings" panose="05000000000000000000" pitchFamily="2" charset="2"/>
+              </a:rPr>
+              <a:t> bereits mit einer </a:t>
+            </a:r>
+            <a:r>
+              <a:rPr lang="de-CH" dirty="0" err="1">
+                <a:sym typeface="Wingdings" panose="05000000000000000000" pitchFamily="2" charset="2"/>
+              </a:rPr>
+              <a:t>Commandline</a:t>
+            </a:r>
+            <a:r>
+              <a:rPr lang="de-CH" dirty="0">
+                <a:sym typeface="Wingdings" panose="05000000000000000000" pitchFamily="2" charset="2"/>
+              </a:rPr>
+              <a:t>-App oder einer Library wäre dem Zielpublikum bereits geholfen</a:t>
+            </a:r>
+          </a:p>
+          <a:p>
+            <a:r>
+              <a:rPr lang="de-CH" dirty="0">
+                <a:sym typeface="Wingdings" panose="05000000000000000000" pitchFamily="2" charset="2"/>
+              </a:rPr>
+              <a:t>Datenstrukturen: keine Zeit für Konstruktion generischer Datentypen</a:t>
+            </a:r>
+            <a:endParaRPr lang="de-CH" dirty="0"/>
+          </a:p>
+        </p:txBody>
+      </p:sp>
+      <p:sp>
+        <p:nvSpPr>
+          <p:cNvPr id="3" name="Titel 2"/>
+          <p:cNvSpPr>
+            <a:spLocks noGrp="1"/>
+          </p:cNvSpPr>
+          <p:nvPr>
+            <p:ph type="ctrTitle"/>
+          </p:nvPr>
+        </p:nvSpPr>
+        <p:spPr/>
+        <p:txBody>
+          <a:bodyPr/>
+          <a:lstStyle/>
+          <a:p>
+            <a:r>
+              <a:rPr lang="de-CH" dirty="0" err="1"/>
+              <a:t>Learnings</a:t>
+            </a:r>
+            <a:r>
+              <a:rPr lang="de-CH" dirty="0"/>
+              <a:t>: Negatives</a:t>
+            </a:r>
+          </a:p>
+        </p:txBody>
+      </p:sp>
+    </p:spTree>
+    <p:extLst>
+      <p:ext uri="{BB962C8B-B14F-4D97-AF65-F5344CB8AC3E}">
+        <p14:creationId xmlns:p14="http://schemas.microsoft.com/office/powerpoint/2010/main" val="130570620"/>
+      </p:ext>
+    </p:extLst>
+  </p:cSld>
+  <p:clrMapOvr>
+    <a:masterClrMapping/>
+  </p:clrMapOvr>
+</p:sld>
+</file>
+
+<file path=ppt/slides/slide14.xml><?xml version="1.0" encoding="utf-8"?>
+<p:sld xmlns:a="http://schemas.openxmlformats.org/drawingml/2006/main" xmlns:r="http://schemas.openxmlformats.org/officeDocument/2006/relationships" xmlns:p="http://schemas.openxmlformats.org/presentationml/2006/main">
+  <p:cSld>
+    <p:spTree>
+      <p:nvGrpSpPr>
+        <p:cNvPr id="1" name=""/>
+        <p:cNvGrpSpPr/>
+        <p:nvPr/>
+      </p:nvGrpSpPr>
+      <p:grpSpPr>
+        <a:xfrm>
+          <a:off x="0" y="0"/>
+          <a:ext cx="0" cy="0"/>
+          <a:chOff x="0" y="0"/>
+          <a:chExt cx="0" cy="0"/>
+        </a:xfrm>
+      </p:grpSpPr>
+      <p:sp>
+        <p:nvSpPr>
+          <p:cNvPr id="2" name="Inhaltsplatzhalter 1"/>
+          <p:cNvSpPr>
+            <a:spLocks noGrp="1"/>
+          </p:cNvSpPr>
+          <p:nvPr>
+            <p:ph sz="half" idx="1"/>
+          </p:nvPr>
+        </p:nvSpPr>
+        <p:spPr/>
+        <p:txBody>
+          <a:bodyPr/>
+          <a:lstStyle/>
+          <a:p>
             <a:endParaRPr lang="de-CH" dirty="0"/>
           </a:p>
         </p:txBody>
@@ -8100,7 +8175,7 @@
 </p:sld>
 </file>
 
-<file path=ppt/slides/slide14.xml><?xml version="1.0" encoding="utf-8"?>
+<file path=ppt/slides/slide15.xml><?xml version="1.0" encoding="utf-8"?>
 <p:sld xmlns:a="http://schemas.openxmlformats.org/drawingml/2006/main" xmlns:r="http://schemas.openxmlformats.org/officeDocument/2006/relationships" xmlns:p="http://schemas.openxmlformats.org/presentationml/2006/main">
   <p:cSld>
     <p:spTree>
@@ -8217,19 +8292,25 @@
           <a:p>
             <a:r>
               <a:rPr lang="de-CH" dirty="0"/>
-              <a:t>Ausgangslage (Problemstellung und Lösungsidee)</a:t>
+              <a:t>Kurzeinführung neuronale Netzwerke		Remo 2</a:t>
             </a:r>
           </a:p>
           <a:p>
             <a:r>
               <a:rPr lang="de-CH" dirty="0"/>
-              <a:t>Anforderungen</a:t>
+              <a:t>Ausgangslage (Problemstellung und Lösungsidee)	     Lukas 2</a:t>
             </a:r>
           </a:p>
           <a:p>
             <a:r>
               <a:rPr lang="de-CH" dirty="0"/>
-              <a:t>Use Cases</a:t>
+              <a:t>Anforderungen 	Remo 2</a:t>
+            </a:r>
+          </a:p>
+          <a:p>
+            <a:r>
+              <a:rPr lang="de-CH" dirty="0"/>
+              <a:t>Vorgehen und Planung 	Remo 1</a:t>
             </a:r>
           </a:p>
           <a:p>
@@ -8242,61 +8323,60 @@
             <a:pPr lvl="1"/>
             <a:r>
               <a:rPr lang="de-CH" dirty="0"/>
-              <a:t>Technologie</a:t>
+              <a:t>Technologie			Lukas 1</a:t>
             </a:r>
           </a:p>
           <a:p>
             <a:pPr lvl="1"/>
             <a:r>
               <a:rPr lang="de-CH" dirty="0"/>
-              <a:t>GUI (Tour durch die Applikation)</a:t>
+              <a:t>GUI (Tour durch die Applikation)	Remo 4</a:t>
             </a:r>
           </a:p>
           <a:p>
             <a:pPr lvl="1"/>
             <a:r>
               <a:rPr lang="de-CH" dirty="0"/>
-              <a:t>Architektur (Klassendiagramm)</a:t>
+              <a:t>Optimierung (Sequenzdiagramm)	Lukas 4</a:t>
             </a:r>
           </a:p>
           <a:p>
             <a:pPr lvl="1"/>
             <a:r>
               <a:rPr lang="de-CH" dirty="0"/>
-              <a:t>Optimierung (Sequenzdiagramm)</a:t>
+              <a:t>Architektur (Klassendiagramm)	Lukas 2</a:t>
+            </a:r>
+          </a:p>
+          <a:p>
+            <a:r>
+              <a:rPr lang="de-CH" dirty="0" err="1"/>
+              <a:t>Lessons</a:t>
+            </a:r>
+            <a:r>
+              <a:rPr lang="de-CH" dirty="0"/>
+              <a:t> </a:t>
+            </a:r>
+            <a:r>
+              <a:rPr lang="de-CH" dirty="0" err="1"/>
+              <a:t>Learned</a:t>
+            </a:r>
+            <a:r>
+              <a:rPr lang="de-CH" dirty="0"/>
+              <a:t>						</a:t>
             </a:r>
           </a:p>
           <a:p>
             <a:pPr lvl="1"/>
             <a:r>
               <a:rPr lang="de-CH" dirty="0"/>
-              <a:t>Code </a:t>
-            </a:r>
-            <a:r>
-              <a:rPr lang="de-CH" dirty="0" err="1"/>
-              <a:t>Snippets</a:t>
-            </a:r>
-            <a:endParaRPr lang="de-CH" dirty="0"/>
-          </a:p>
-          <a:p>
-            <a:r>
-              <a:rPr lang="de-CH" dirty="0" err="1"/>
-              <a:t>Learnings</a:t>
-            </a:r>
-            <a:endParaRPr lang="de-CH" dirty="0"/>
+              <a:t>Negatives						Remo 1</a:t>
+            </a:r>
           </a:p>
           <a:p>
             <a:pPr lvl="1"/>
             <a:r>
               <a:rPr lang="de-CH" dirty="0"/>
-              <a:t>Negatives</a:t>
-            </a:r>
-          </a:p>
-          <a:p>
-            <a:pPr lvl="1"/>
-            <a:r>
-              <a:rPr lang="de-CH" dirty="0"/>
-              <a:t>Positives</a:t>
+              <a:t>Positives						Lukas 1</a:t>
             </a:r>
           </a:p>
           <a:p>
@@ -8673,7 +8753,12 @@
             <p:ph sz="half" idx="1"/>
           </p:nvPr>
         </p:nvSpPr>
-        <p:spPr/>
+        <p:spPr>
+          <a:xfrm>
+            <a:off x="468000" y="1075765"/>
+            <a:ext cx="8100000" cy="5044234"/>
+          </a:xfrm>
+        </p:spPr>
         <p:txBody>
           <a:bodyPr/>
           <a:lstStyle/>
@@ -8699,7 +8784,7 @@
           <a:p>
             <a:r>
               <a:rPr lang="de-CH" dirty="0"/>
-              <a:t>Lösung: Technologie</a:t>
+              <a:t>Vorgehen und Planung</a:t>
             </a:r>
           </a:p>
         </p:txBody>
@@ -8707,7 +8792,7 @@
     </p:spTree>
     <p:extLst>
       <p:ext uri="{BB962C8B-B14F-4D97-AF65-F5344CB8AC3E}">
-        <p14:creationId xmlns:p14="http://schemas.microsoft.com/office/powerpoint/2010/main" val="1517518669"/>
+        <p14:creationId xmlns:p14="http://schemas.microsoft.com/office/powerpoint/2010/main" val="3196981921"/>
       </p:ext>
     </p:extLst>
   </p:cSld>
@@ -8770,6 +8855,77 @@
           <a:p>
             <a:r>
               <a:rPr lang="de-CH" dirty="0"/>
+              <a:t>Lösung: Technologie</a:t>
+            </a:r>
+          </a:p>
+        </p:txBody>
+      </p:sp>
+    </p:spTree>
+    <p:extLst>
+      <p:ext uri="{BB962C8B-B14F-4D97-AF65-F5344CB8AC3E}">
+        <p14:creationId xmlns:p14="http://schemas.microsoft.com/office/powerpoint/2010/main" val="1517518669"/>
+      </p:ext>
+    </p:extLst>
+  </p:cSld>
+  <p:clrMapOvr>
+    <a:masterClrMapping/>
+  </p:clrMapOvr>
+</p:sld>
+</file>
+
+<file path=ppt/slides/slide7.xml><?xml version="1.0" encoding="utf-8"?>
+<p:sld xmlns:a="http://schemas.openxmlformats.org/drawingml/2006/main" xmlns:r="http://schemas.openxmlformats.org/officeDocument/2006/relationships" xmlns:p="http://schemas.openxmlformats.org/presentationml/2006/main">
+  <p:cSld>
+    <p:spTree>
+      <p:nvGrpSpPr>
+        <p:cNvPr id="1" name=""/>
+        <p:cNvGrpSpPr/>
+        <p:nvPr/>
+      </p:nvGrpSpPr>
+      <p:grpSpPr>
+        <a:xfrm>
+          <a:off x="0" y="0"/>
+          <a:ext cx="0" cy="0"/>
+          <a:chOff x="0" y="0"/>
+          <a:chExt cx="0" cy="0"/>
+        </a:xfrm>
+      </p:grpSpPr>
+      <p:sp>
+        <p:nvSpPr>
+          <p:cNvPr id="2" name="Inhaltsplatzhalter 1"/>
+          <p:cNvSpPr>
+            <a:spLocks noGrp="1"/>
+          </p:cNvSpPr>
+          <p:nvPr>
+            <p:ph sz="half" idx="1"/>
+          </p:nvPr>
+        </p:nvSpPr>
+        <p:spPr/>
+        <p:txBody>
+          <a:bodyPr/>
+          <a:lstStyle/>
+          <a:p>
+            <a:endParaRPr lang="de-CH" dirty="0"/>
+          </a:p>
+        </p:txBody>
+      </p:sp>
+      <p:sp>
+        <p:nvSpPr>
+          <p:cNvPr id="3" name="Titel 2"/>
+          <p:cNvSpPr>
+            <a:spLocks noGrp="1"/>
+          </p:cNvSpPr>
+          <p:nvPr>
+            <p:ph type="ctrTitle"/>
+          </p:nvPr>
+        </p:nvSpPr>
+        <p:spPr/>
+        <p:txBody>
+          <a:bodyPr/>
+          <a:lstStyle/>
+          <a:p>
+            <a:r>
+              <a:rPr lang="de-CH" dirty="0"/>
               <a:t>Lösung: GUI</a:t>
             </a:r>
           </a:p>
@@ -8788,7 +8944,7 @@
 </p:sld>
 </file>
 
-<file path=ppt/slides/slide7.xml><?xml version="1.0" encoding="utf-8"?>
+<file path=ppt/slides/slide8.xml><?xml version="1.0" encoding="utf-8"?>
 <p:sld xmlns:a="http://schemas.openxmlformats.org/drawingml/2006/main" xmlns:r="http://schemas.openxmlformats.org/officeDocument/2006/relationships" xmlns:p="http://schemas.openxmlformats.org/presentationml/2006/main">
   <p:cSld>
     <p:spTree>
@@ -8869,7 +9025,7 @@
 </p:sld>
 </file>
 
-<file path=ppt/slides/slide8.xml><?xml version="1.0" encoding="utf-8"?>
+<file path=ppt/slides/slide9.xml><?xml version="1.0" encoding="utf-8"?>
 <p:sld xmlns:a="http://schemas.openxmlformats.org/drawingml/2006/main" xmlns:r="http://schemas.openxmlformats.org/officeDocument/2006/relationships" xmlns:p="http://schemas.openxmlformats.org/presentationml/2006/main">
   <p:cSld>
     <p:spTree>
@@ -8941,80 +9097,6 @@
     <p:extLst>
       <p:ext uri="{BB962C8B-B14F-4D97-AF65-F5344CB8AC3E}">
         <p14:creationId xmlns:p14="http://schemas.microsoft.com/office/powerpoint/2010/main" val="2056934161"/>
-      </p:ext>
-    </p:extLst>
-  </p:cSld>
-  <p:clrMapOvr>
-    <a:masterClrMapping/>
-  </p:clrMapOvr>
-</p:sld>
-</file>
-
-<file path=ppt/slides/slide9.xml><?xml version="1.0" encoding="utf-8"?>
-<p:sld xmlns:a="http://schemas.openxmlformats.org/drawingml/2006/main" xmlns:r="http://schemas.openxmlformats.org/officeDocument/2006/relationships" xmlns:p="http://schemas.openxmlformats.org/presentationml/2006/main">
-  <p:cSld>
-    <p:spTree>
-      <p:nvGrpSpPr>
-        <p:cNvPr id="1" name=""/>
-        <p:cNvGrpSpPr/>
-        <p:nvPr/>
-      </p:nvGrpSpPr>
-      <p:grpSpPr>
-        <a:xfrm>
-          <a:off x="0" y="0"/>
-          <a:ext cx="0" cy="0"/>
-          <a:chOff x="0" y="0"/>
-          <a:chExt cx="0" cy="0"/>
-        </a:xfrm>
-      </p:grpSpPr>
-      <p:sp>
-        <p:nvSpPr>
-          <p:cNvPr id="2" name="Inhaltsplatzhalter 1"/>
-          <p:cNvSpPr>
-            <a:spLocks noGrp="1"/>
-          </p:cNvSpPr>
-          <p:nvPr>
-            <p:ph sz="half" idx="1"/>
-          </p:nvPr>
-        </p:nvSpPr>
-        <p:spPr/>
-        <p:txBody>
-          <a:bodyPr/>
-          <a:lstStyle/>
-          <a:p>
-            <a:r>
-              <a:rPr lang="de-CH" dirty="0"/>
-              <a:t>Klassendiagramm</a:t>
-            </a:r>
-          </a:p>
-        </p:txBody>
-      </p:sp>
-      <p:sp>
-        <p:nvSpPr>
-          <p:cNvPr id="3" name="Titel 2"/>
-          <p:cNvSpPr>
-            <a:spLocks noGrp="1"/>
-          </p:cNvSpPr>
-          <p:nvPr>
-            <p:ph type="ctrTitle"/>
-          </p:nvPr>
-        </p:nvSpPr>
-        <p:spPr/>
-        <p:txBody>
-          <a:bodyPr/>
-          <a:lstStyle/>
-          <a:p>
-            <a:r>
-              <a:rPr lang="de-CH" dirty="0"/>
-              <a:t>Lösung: Architektur</a:t>
-            </a:r>
-          </a:p>
-        </p:txBody>
-      </p:sp>
-    </p:spTree>
-    <p:extLst>
-      <p:ext uri="{BB962C8B-B14F-4D97-AF65-F5344CB8AC3E}">
-        <p14:creationId xmlns:p14="http://schemas.microsoft.com/office/powerpoint/2010/main" val="988370591"/>
       </p:ext>
     </p:extLst>
   </p:cSld>
@@ -9860,6 +9942,15 @@
 </file>
 
 <file path=customXml/item1.xml><?xml version="1.0" encoding="utf-8"?>
+<?mso-contentType ?>
+<FormTemplates xmlns="http://schemas.microsoft.com/sharepoint/v3/contenttype/forms">
+  <Display>DocumentLibraryForm</Display>
+  <Edit>DocumentLibraryForm</Edit>
+  <New>DocumentLibraryForm</New>
+</FormTemplates>
+</file>
+
+<file path=customXml/item2.xml><?xml version="1.0" encoding="utf-8"?>
 <p:properties xmlns:p="http://schemas.microsoft.com/office/2006/metadata/properties" xmlns:xsi="http://www.w3.org/2001/XMLSchema-instance">
   <documentManagement>
     <BfhIntranetDepartmentText xmlns="6ba39cd2-5d62-44d6-9fe3-6d65b1ded336">
@@ -9873,15 +9964,6 @@
     <QMPilot_DokID xmlns="2551ef7e-3b29-44d1-a8ad-ef34c26bfc60">469</QMPilot_DokID>
   </documentManagement>
 </p:properties>
-</file>
-
-<file path=customXml/item2.xml><?xml version="1.0" encoding="utf-8"?>
-<?mso-contentType ?>
-<FormTemplates xmlns="http://schemas.microsoft.com/sharepoint/v3/contenttype/forms">
-  <Display>DocumentLibraryForm</Display>
-  <Edit>DocumentLibraryForm</Edit>
-  <New>DocumentLibraryForm</New>
-</FormTemplates>
 </file>
 
 <file path=customXml/item3.xml><?xml version="1.0" encoding="utf-8"?>
@@ -10024,6 +10106,14 @@
 </file>
 
 <file path=customXml/itemProps1.xml><?xml version="1.0" encoding="utf-8"?>
+<ds:datastoreItem xmlns:ds="http://schemas.openxmlformats.org/officeDocument/2006/customXml" ds:itemID="{38A61B13-3BD8-4182-A6C0-87987DF79A6D}">
+  <ds:schemaRefs>
+    <ds:schemaRef ds:uri="http://schemas.microsoft.com/sharepoint/v3/contenttype/forms"/>
+  </ds:schemaRefs>
+</ds:datastoreItem>
+</file>
+
+<file path=customXml/itemProps2.xml><?xml version="1.0" encoding="utf-8"?>
 <ds:datastoreItem xmlns:ds="http://schemas.openxmlformats.org/officeDocument/2006/customXml" ds:itemID="{B470C3CE-871E-471D-827D-756DC4BA1786}">
   <ds:schemaRefs>
     <ds:schemaRef ds:uri="http://purl.org/dc/dcmitype/"/>
@@ -10036,14 +10126,6 @@
     <ds:schemaRef ds:uri="http://schemas.openxmlformats.org/package/2006/metadata/core-properties"/>
     <ds:schemaRef ds:uri="http://schemas.microsoft.com/office/2006/metadata/properties"/>
     <ds:schemaRef ds:uri="http://www.w3.org/XML/1998/namespace"/>
-  </ds:schemaRefs>
-</ds:datastoreItem>
-</file>
-
-<file path=customXml/itemProps2.xml><?xml version="1.0" encoding="utf-8"?>
-<ds:datastoreItem xmlns:ds="http://schemas.openxmlformats.org/officeDocument/2006/customXml" ds:itemID="{38A61B13-3BD8-4182-A6C0-87987DF79A6D}">
-  <ds:schemaRefs>
-    <ds:schemaRef ds:uri="http://schemas.microsoft.com/sharepoint/v3/contenttype/forms"/>
   </ds:schemaRefs>
 </ds:datastoreItem>
 </file>
